--- a/Laboratorium zastosowań elektroniki/Laboratory/01.03.2024/Z-PEL-DB-Lab-01.pptx
+++ b/Laboratorium zastosowań elektroniki/Laboratory/01.03.2024/Z-PEL-DB-Lab-01.pptx
@@ -213,7 +213,7 @@
           <a:p>
             <a:fld id="{5F3B955B-D6B9-4E30-9ECB-D1BD75A5F1D8}" type="datetimeFigureOut">
               <a:rPr lang="pl-PL" smtClean="0"/>
-              <a:t>26.02.2024</a:t>
+              <a:t>06.03.2024</a:t>
             </a:fld>
             <a:endParaRPr lang="pl-PL"/>
           </a:p>
@@ -695,7 +695,7 @@
           <a:p>
             <a:fld id="{4D4E0D28-09B2-4E2A-9616-0105020327B5}" type="datetimeFigureOut">
               <a:rPr lang="pl-PL" smtClean="0"/>
-              <a:t>26.02.2024</a:t>
+              <a:t>06.03.2024</a:t>
             </a:fld>
             <a:endParaRPr lang="pl-PL"/>
           </a:p>
@@ -865,7 +865,7 @@
           <a:p>
             <a:fld id="{4D4E0D28-09B2-4E2A-9616-0105020327B5}" type="datetimeFigureOut">
               <a:rPr lang="pl-PL" smtClean="0"/>
-              <a:t>26.02.2024</a:t>
+              <a:t>06.03.2024</a:t>
             </a:fld>
             <a:endParaRPr lang="pl-PL"/>
           </a:p>
@@ -1045,7 +1045,7 @@
           <a:p>
             <a:fld id="{4D4E0D28-09B2-4E2A-9616-0105020327B5}" type="datetimeFigureOut">
               <a:rPr lang="pl-PL" smtClean="0"/>
-              <a:t>26.02.2024</a:t>
+              <a:t>06.03.2024</a:t>
             </a:fld>
             <a:endParaRPr lang="pl-PL"/>
           </a:p>
@@ -1215,7 +1215,7 @@
           <a:p>
             <a:fld id="{4D4E0D28-09B2-4E2A-9616-0105020327B5}" type="datetimeFigureOut">
               <a:rPr lang="pl-PL" smtClean="0"/>
-              <a:t>26.02.2024</a:t>
+              <a:t>06.03.2024</a:t>
             </a:fld>
             <a:endParaRPr lang="pl-PL"/>
           </a:p>
@@ -1459,7 +1459,7 @@
           <a:p>
             <a:fld id="{4D4E0D28-09B2-4E2A-9616-0105020327B5}" type="datetimeFigureOut">
               <a:rPr lang="pl-PL" smtClean="0"/>
-              <a:t>26.02.2024</a:t>
+              <a:t>06.03.2024</a:t>
             </a:fld>
             <a:endParaRPr lang="pl-PL"/>
           </a:p>
@@ -1691,7 +1691,7 @@
           <a:p>
             <a:fld id="{4D4E0D28-09B2-4E2A-9616-0105020327B5}" type="datetimeFigureOut">
               <a:rPr lang="pl-PL" smtClean="0"/>
-              <a:t>26.02.2024</a:t>
+              <a:t>06.03.2024</a:t>
             </a:fld>
             <a:endParaRPr lang="pl-PL"/>
           </a:p>
@@ -2058,7 +2058,7 @@
           <a:p>
             <a:fld id="{4D4E0D28-09B2-4E2A-9616-0105020327B5}" type="datetimeFigureOut">
               <a:rPr lang="pl-PL" smtClean="0"/>
-              <a:t>26.02.2024</a:t>
+              <a:t>06.03.2024</a:t>
             </a:fld>
             <a:endParaRPr lang="pl-PL"/>
           </a:p>
@@ -2176,7 +2176,7 @@
           <a:p>
             <a:fld id="{4D4E0D28-09B2-4E2A-9616-0105020327B5}" type="datetimeFigureOut">
               <a:rPr lang="pl-PL" smtClean="0"/>
-              <a:t>26.02.2024</a:t>
+              <a:t>06.03.2024</a:t>
             </a:fld>
             <a:endParaRPr lang="pl-PL"/>
           </a:p>
@@ -2271,7 +2271,7 @@
           <a:p>
             <a:fld id="{4D4E0D28-09B2-4E2A-9616-0105020327B5}" type="datetimeFigureOut">
               <a:rPr lang="pl-PL" smtClean="0"/>
-              <a:t>26.02.2024</a:t>
+              <a:t>06.03.2024</a:t>
             </a:fld>
             <a:endParaRPr lang="pl-PL"/>
           </a:p>
@@ -2548,7 +2548,7 @@
           <a:p>
             <a:fld id="{4D4E0D28-09B2-4E2A-9616-0105020327B5}" type="datetimeFigureOut">
               <a:rPr lang="pl-PL" smtClean="0"/>
-              <a:t>26.02.2024</a:t>
+              <a:t>06.03.2024</a:t>
             </a:fld>
             <a:endParaRPr lang="pl-PL"/>
           </a:p>
@@ -2805,7 +2805,7 @@
           <a:p>
             <a:fld id="{4D4E0D28-09B2-4E2A-9616-0105020327B5}" type="datetimeFigureOut">
               <a:rPr lang="pl-PL" smtClean="0"/>
-              <a:t>26.02.2024</a:t>
+              <a:t>06.03.2024</a:t>
             </a:fld>
             <a:endParaRPr lang="pl-PL"/>
           </a:p>
@@ -3018,7 +3018,7 @@
           <a:p>
             <a:fld id="{4D4E0D28-09B2-4E2A-9616-0105020327B5}" type="datetimeFigureOut">
               <a:rPr lang="pl-PL" smtClean="0"/>
-              <a:t>26.02.2024</a:t>
+              <a:t>06.03.2024</a:t>
             </a:fld>
             <a:endParaRPr lang="pl-PL"/>
           </a:p>
